--- a/ppt 16-9/0824.生命树.pptx
+++ b/ppt 16-9/0824.生命树.pptx
@@ -129,7 +129,7 @@
           <p:cNvPr id="2" name="标题 1">
             <a:extLst>
               <a:ext uri="{FF2B5EF4-FFF2-40B4-BE49-F238E27FC236}">
-                <a16:creationId xmlns:a16="http://schemas.microsoft.com/office/drawing/2014/main" id="{A7490957-F015-FDF5-48B0-0D4D158434F0}"/>
+                <a16:creationId xmlns:a16="http://schemas.microsoft.com/office/drawing/2014/main" id="{81D2B901-EDD8-AD64-6252-0370890A66E3}"/>
               </a:ext>
             </a:extLst>
           </p:cNvPr>
@@ -166,7 +166,7 @@
           <p:cNvPr id="3" name="副标题 2">
             <a:extLst>
               <a:ext uri="{FF2B5EF4-FFF2-40B4-BE49-F238E27FC236}">
-                <a16:creationId xmlns:a16="http://schemas.microsoft.com/office/drawing/2014/main" id="{4963B5BC-4F32-FDD0-4BBB-3F14DBA20EC8}"/>
+                <a16:creationId xmlns:a16="http://schemas.microsoft.com/office/drawing/2014/main" id="{15B3EEDD-6DA3-DE94-418E-59F1D97A63C3}"/>
               </a:ext>
             </a:extLst>
           </p:cNvPr>
@@ -236,7 +236,7 @@
           <p:cNvPr id="4" name="日期占位符 3">
             <a:extLst>
               <a:ext uri="{FF2B5EF4-FFF2-40B4-BE49-F238E27FC236}">
-                <a16:creationId xmlns:a16="http://schemas.microsoft.com/office/drawing/2014/main" id="{879EE336-BDE9-52E3-7482-B4270A8A651A}"/>
+                <a16:creationId xmlns:a16="http://schemas.microsoft.com/office/drawing/2014/main" id="{707D5FB9-6684-DE13-99A9-2DDEE4CA0F79}"/>
               </a:ext>
             </a:extLst>
           </p:cNvPr>
@@ -252,7 +252,7 @@
           <a:bodyPr/>
           <a:lstStyle/>
           <a:p>
-            <a:fld id="{9F5F6057-55B2-43A6-B8A6-A8706604D429}" type="datetimeFigureOut">
+            <a:fld id="{EDB6CB01-5D69-41E4-933F-1F4FDBBED775}" type="datetimeFigureOut">
               <a:rPr lang="zh-CN" altLang="en-US" smtClean="0"/>
               <a:t>2024/3/10</a:t>
             </a:fld>
@@ -265,7 +265,7 @@
           <p:cNvPr id="5" name="页脚占位符 4">
             <a:extLst>
               <a:ext uri="{FF2B5EF4-FFF2-40B4-BE49-F238E27FC236}">
-                <a16:creationId xmlns:a16="http://schemas.microsoft.com/office/drawing/2014/main" id="{990B8C9E-C97A-46E8-8294-DE3080D0D2D7}"/>
+                <a16:creationId xmlns:a16="http://schemas.microsoft.com/office/drawing/2014/main" id="{B88611B3-82FA-7135-6714-F979DE6B5933}"/>
               </a:ext>
             </a:extLst>
           </p:cNvPr>
@@ -290,7 +290,7 @@
           <p:cNvPr id="6" name="灯片编号占位符 5">
             <a:extLst>
               <a:ext uri="{FF2B5EF4-FFF2-40B4-BE49-F238E27FC236}">
-                <a16:creationId xmlns:a16="http://schemas.microsoft.com/office/drawing/2014/main" id="{A984822D-2121-52B4-CC1C-578D695E06F9}"/>
+                <a16:creationId xmlns:a16="http://schemas.microsoft.com/office/drawing/2014/main" id="{E6C6DE77-A718-7E58-81C4-700216005C96}"/>
               </a:ext>
             </a:extLst>
           </p:cNvPr>
@@ -306,7 +306,7 @@
           <a:bodyPr/>
           <a:lstStyle/>
           <a:p>
-            <a:fld id="{318D49C4-ACF0-41FD-97C6-6565551F9D12}" type="slidenum">
+            <a:fld id="{1942D1A8-AA6F-4516-8412-CD74DFEBC843}" type="slidenum">
               <a:rPr lang="zh-CN" altLang="en-US" smtClean="0"/>
               <a:t>‹#›</a:t>
             </a:fld>
@@ -317,7 +317,7 @@
     </p:spTree>
     <p:extLst>
       <p:ext uri="{BB962C8B-B14F-4D97-AF65-F5344CB8AC3E}">
-        <p14:creationId xmlns:p14="http://schemas.microsoft.com/office/powerpoint/2010/main" val="1560588273"/>
+        <p14:creationId xmlns:p14="http://schemas.microsoft.com/office/powerpoint/2010/main" val="3538009267"/>
       </p:ext>
     </p:extLst>
   </p:cSld>
@@ -349,7 +349,7 @@
           <p:cNvPr id="2" name="标题 1">
             <a:extLst>
               <a:ext uri="{FF2B5EF4-FFF2-40B4-BE49-F238E27FC236}">
-                <a16:creationId xmlns:a16="http://schemas.microsoft.com/office/drawing/2014/main" id="{D5C8FE19-F57B-B5FC-4DB6-F0BA28375B9D}"/>
+                <a16:creationId xmlns:a16="http://schemas.microsoft.com/office/drawing/2014/main" id="{322991D4-1DD1-E112-85E7-B030C8CD5F31}"/>
               </a:ext>
             </a:extLst>
           </p:cNvPr>
@@ -377,7 +377,7 @@
           <p:cNvPr id="3" name="竖排文字占位符 2">
             <a:extLst>
               <a:ext uri="{FF2B5EF4-FFF2-40B4-BE49-F238E27FC236}">
-                <a16:creationId xmlns:a16="http://schemas.microsoft.com/office/drawing/2014/main" id="{9856A9F4-F8E7-4FB5-F115-81749A2C6BE5}"/>
+                <a16:creationId xmlns:a16="http://schemas.microsoft.com/office/drawing/2014/main" id="{9C25FB92-3DE3-7C9C-7563-17413F79071F}"/>
               </a:ext>
             </a:extLst>
           </p:cNvPr>
@@ -434,7 +434,7 @@
           <p:cNvPr id="4" name="日期占位符 3">
             <a:extLst>
               <a:ext uri="{FF2B5EF4-FFF2-40B4-BE49-F238E27FC236}">
-                <a16:creationId xmlns:a16="http://schemas.microsoft.com/office/drawing/2014/main" id="{1B426C5A-E214-2BDF-07F5-06E0C77FCE85}"/>
+                <a16:creationId xmlns:a16="http://schemas.microsoft.com/office/drawing/2014/main" id="{CD86B595-ED00-24AA-7581-608D24807CDB}"/>
               </a:ext>
             </a:extLst>
           </p:cNvPr>
@@ -450,7 +450,7 @@
           <a:bodyPr/>
           <a:lstStyle/>
           <a:p>
-            <a:fld id="{9F5F6057-55B2-43A6-B8A6-A8706604D429}" type="datetimeFigureOut">
+            <a:fld id="{EDB6CB01-5D69-41E4-933F-1F4FDBBED775}" type="datetimeFigureOut">
               <a:rPr lang="zh-CN" altLang="en-US" smtClean="0"/>
               <a:t>2024/3/10</a:t>
             </a:fld>
@@ -463,7 +463,7 @@
           <p:cNvPr id="5" name="页脚占位符 4">
             <a:extLst>
               <a:ext uri="{FF2B5EF4-FFF2-40B4-BE49-F238E27FC236}">
-                <a16:creationId xmlns:a16="http://schemas.microsoft.com/office/drawing/2014/main" id="{C9513068-399D-6B57-37D0-11992DD65AD9}"/>
+                <a16:creationId xmlns:a16="http://schemas.microsoft.com/office/drawing/2014/main" id="{F79B7C18-CBF2-51F7-8498-5321E0B0698F}"/>
               </a:ext>
             </a:extLst>
           </p:cNvPr>
@@ -488,7 +488,7 @@
           <p:cNvPr id="6" name="灯片编号占位符 5">
             <a:extLst>
               <a:ext uri="{FF2B5EF4-FFF2-40B4-BE49-F238E27FC236}">
-                <a16:creationId xmlns:a16="http://schemas.microsoft.com/office/drawing/2014/main" id="{F4259AA7-5DF9-20AD-534E-3289C97820AC}"/>
+                <a16:creationId xmlns:a16="http://schemas.microsoft.com/office/drawing/2014/main" id="{76B59649-7071-CC0D-EFF6-170067401B77}"/>
               </a:ext>
             </a:extLst>
           </p:cNvPr>
@@ -504,7 +504,7 @@
           <a:bodyPr/>
           <a:lstStyle/>
           <a:p>
-            <a:fld id="{318D49C4-ACF0-41FD-97C6-6565551F9D12}" type="slidenum">
+            <a:fld id="{1942D1A8-AA6F-4516-8412-CD74DFEBC843}" type="slidenum">
               <a:rPr lang="zh-CN" altLang="en-US" smtClean="0"/>
               <a:t>‹#›</a:t>
             </a:fld>
@@ -515,7 +515,7 @@
     </p:spTree>
     <p:extLst>
       <p:ext uri="{BB962C8B-B14F-4D97-AF65-F5344CB8AC3E}">
-        <p14:creationId xmlns:p14="http://schemas.microsoft.com/office/powerpoint/2010/main" val="2484799429"/>
+        <p14:creationId xmlns:p14="http://schemas.microsoft.com/office/powerpoint/2010/main" val="2377816474"/>
       </p:ext>
     </p:extLst>
   </p:cSld>
@@ -547,7 +547,7 @@
           <p:cNvPr id="2" name="竖排标题 1">
             <a:extLst>
               <a:ext uri="{FF2B5EF4-FFF2-40B4-BE49-F238E27FC236}">
-                <a16:creationId xmlns:a16="http://schemas.microsoft.com/office/drawing/2014/main" id="{E811BA80-8120-32D9-BCD2-A55F791161A2}"/>
+                <a16:creationId xmlns:a16="http://schemas.microsoft.com/office/drawing/2014/main" id="{4B320E9F-3334-59DD-55B0-1B6E432FD702}"/>
               </a:ext>
             </a:extLst>
           </p:cNvPr>
@@ -580,7 +580,7 @@
           <p:cNvPr id="3" name="竖排文字占位符 2">
             <a:extLst>
               <a:ext uri="{FF2B5EF4-FFF2-40B4-BE49-F238E27FC236}">
-                <a16:creationId xmlns:a16="http://schemas.microsoft.com/office/drawing/2014/main" id="{813358F6-9ECE-F9A0-9E03-DB2B907EB467}"/>
+                <a16:creationId xmlns:a16="http://schemas.microsoft.com/office/drawing/2014/main" id="{AB41D0A7-4A4D-0767-B0BC-30A0186FC24D}"/>
               </a:ext>
             </a:extLst>
           </p:cNvPr>
@@ -642,7 +642,7 @@
           <p:cNvPr id="4" name="日期占位符 3">
             <a:extLst>
               <a:ext uri="{FF2B5EF4-FFF2-40B4-BE49-F238E27FC236}">
-                <a16:creationId xmlns:a16="http://schemas.microsoft.com/office/drawing/2014/main" id="{6E6E5DFD-058D-FCFF-1675-8F0D24225B48}"/>
+                <a16:creationId xmlns:a16="http://schemas.microsoft.com/office/drawing/2014/main" id="{4309B186-3AE6-FFE7-AB31-C36243E0DB20}"/>
               </a:ext>
             </a:extLst>
           </p:cNvPr>
@@ -658,7 +658,7 @@
           <a:bodyPr/>
           <a:lstStyle/>
           <a:p>
-            <a:fld id="{9F5F6057-55B2-43A6-B8A6-A8706604D429}" type="datetimeFigureOut">
+            <a:fld id="{EDB6CB01-5D69-41E4-933F-1F4FDBBED775}" type="datetimeFigureOut">
               <a:rPr lang="zh-CN" altLang="en-US" smtClean="0"/>
               <a:t>2024/3/10</a:t>
             </a:fld>
@@ -671,7 +671,7 @@
           <p:cNvPr id="5" name="页脚占位符 4">
             <a:extLst>
               <a:ext uri="{FF2B5EF4-FFF2-40B4-BE49-F238E27FC236}">
-                <a16:creationId xmlns:a16="http://schemas.microsoft.com/office/drawing/2014/main" id="{967D09CA-5327-0A36-EF1B-FBFD73E308BD}"/>
+                <a16:creationId xmlns:a16="http://schemas.microsoft.com/office/drawing/2014/main" id="{F4B9CB17-B810-8BD9-4301-96BE64944D24}"/>
               </a:ext>
             </a:extLst>
           </p:cNvPr>
@@ -696,7 +696,7 @@
           <p:cNvPr id="6" name="灯片编号占位符 5">
             <a:extLst>
               <a:ext uri="{FF2B5EF4-FFF2-40B4-BE49-F238E27FC236}">
-                <a16:creationId xmlns:a16="http://schemas.microsoft.com/office/drawing/2014/main" id="{7509AFDC-B0A3-C83F-85B1-303614C0A5A4}"/>
+                <a16:creationId xmlns:a16="http://schemas.microsoft.com/office/drawing/2014/main" id="{B8B896B9-ECEB-0A7F-1388-D3B00DC943BC}"/>
               </a:ext>
             </a:extLst>
           </p:cNvPr>
@@ -712,7 +712,7 @@
           <a:bodyPr/>
           <a:lstStyle/>
           <a:p>
-            <a:fld id="{318D49C4-ACF0-41FD-97C6-6565551F9D12}" type="slidenum">
+            <a:fld id="{1942D1A8-AA6F-4516-8412-CD74DFEBC843}" type="slidenum">
               <a:rPr lang="zh-CN" altLang="en-US" smtClean="0"/>
               <a:t>‹#›</a:t>
             </a:fld>
@@ -723,7 +723,7 @@
     </p:spTree>
     <p:extLst>
       <p:ext uri="{BB962C8B-B14F-4D97-AF65-F5344CB8AC3E}">
-        <p14:creationId xmlns:p14="http://schemas.microsoft.com/office/powerpoint/2010/main" val="1408060101"/>
+        <p14:creationId xmlns:p14="http://schemas.microsoft.com/office/powerpoint/2010/main" val="3435311260"/>
       </p:ext>
     </p:extLst>
   </p:cSld>
@@ -755,7 +755,7 @@
           <p:cNvPr id="2" name="标题 1">
             <a:extLst>
               <a:ext uri="{FF2B5EF4-FFF2-40B4-BE49-F238E27FC236}">
-                <a16:creationId xmlns:a16="http://schemas.microsoft.com/office/drawing/2014/main" id="{F359A6A4-82CC-30F2-CDBE-CD67D137F3F1}"/>
+                <a16:creationId xmlns:a16="http://schemas.microsoft.com/office/drawing/2014/main" id="{0E96676A-6FA7-493B-EC6A-5A50A1A0D76A}"/>
               </a:ext>
             </a:extLst>
           </p:cNvPr>
@@ -783,7 +783,7 @@
           <p:cNvPr id="3" name="内容占位符 2">
             <a:extLst>
               <a:ext uri="{FF2B5EF4-FFF2-40B4-BE49-F238E27FC236}">
-                <a16:creationId xmlns:a16="http://schemas.microsoft.com/office/drawing/2014/main" id="{2661B573-7DDD-D16D-5D0D-6A25B3DC6B89}"/>
+                <a16:creationId xmlns:a16="http://schemas.microsoft.com/office/drawing/2014/main" id="{87699C57-5EC6-8EB9-E6F8-B03CA16FCB3A}"/>
               </a:ext>
             </a:extLst>
           </p:cNvPr>
@@ -840,7 +840,7 @@
           <p:cNvPr id="4" name="日期占位符 3">
             <a:extLst>
               <a:ext uri="{FF2B5EF4-FFF2-40B4-BE49-F238E27FC236}">
-                <a16:creationId xmlns:a16="http://schemas.microsoft.com/office/drawing/2014/main" id="{D3019D69-4BDF-5709-70AF-32C21E32F32B}"/>
+                <a16:creationId xmlns:a16="http://schemas.microsoft.com/office/drawing/2014/main" id="{735A0225-AC29-8DDC-C100-51D1968DC245}"/>
               </a:ext>
             </a:extLst>
           </p:cNvPr>
@@ -856,7 +856,7 @@
           <a:bodyPr/>
           <a:lstStyle/>
           <a:p>
-            <a:fld id="{9F5F6057-55B2-43A6-B8A6-A8706604D429}" type="datetimeFigureOut">
+            <a:fld id="{EDB6CB01-5D69-41E4-933F-1F4FDBBED775}" type="datetimeFigureOut">
               <a:rPr lang="zh-CN" altLang="en-US" smtClean="0"/>
               <a:t>2024/3/10</a:t>
             </a:fld>
@@ -869,7 +869,7 @@
           <p:cNvPr id="5" name="页脚占位符 4">
             <a:extLst>
               <a:ext uri="{FF2B5EF4-FFF2-40B4-BE49-F238E27FC236}">
-                <a16:creationId xmlns:a16="http://schemas.microsoft.com/office/drawing/2014/main" id="{6A07AC76-B961-06FC-C5F7-44508910DF79}"/>
+                <a16:creationId xmlns:a16="http://schemas.microsoft.com/office/drawing/2014/main" id="{983A0002-0639-A7A2-92B3-D9520ABD394B}"/>
               </a:ext>
             </a:extLst>
           </p:cNvPr>
@@ -894,7 +894,7 @@
           <p:cNvPr id="6" name="灯片编号占位符 5">
             <a:extLst>
               <a:ext uri="{FF2B5EF4-FFF2-40B4-BE49-F238E27FC236}">
-                <a16:creationId xmlns:a16="http://schemas.microsoft.com/office/drawing/2014/main" id="{8785AD78-084A-91CA-4A47-0EB5C7F91D7F}"/>
+                <a16:creationId xmlns:a16="http://schemas.microsoft.com/office/drawing/2014/main" id="{55CF85BA-80D0-90CE-DA21-C3DD3FD7B8AE}"/>
               </a:ext>
             </a:extLst>
           </p:cNvPr>
@@ -910,7 +910,7 @@
           <a:bodyPr/>
           <a:lstStyle/>
           <a:p>
-            <a:fld id="{318D49C4-ACF0-41FD-97C6-6565551F9D12}" type="slidenum">
+            <a:fld id="{1942D1A8-AA6F-4516-8412-CD74DFEBC843}" type="slidenum">
               <a:rPr lang="zh-CN" altLang="en-US" smtClean="0"/>
               <a:t>‹#›</a:t>
             </a:fld>
@@ -921,7 +921,7 @@
     </p:spTree>
     <p:extLst>
       <p:ext uri="{BB962C8B-B14F-4D97-AF65-F5344CB8AC3E}">
-        <p14:creationId xmlns:p14="http://schemas.microsoft.com/office/powerpoint/2010/main" val="499259040"/>
+        <p14:creationId xmlns:p14="http://schemas.microsoft.com/office/powerpoint/2010/main" val="1602228864"/>
       </p:ext>
     </p:extLst>
   </p:cSld>
@@ -953,7 +953,7 @@
           <p:cNvPr id="2" name="标题 1">
             <a:extLst>
               <a:ext uri="{FF2B5EF4-FFF2-40B4-BE49-F238E27FC236}">
-                <a16:creationId xmlns:a16="http://schemas.microsoft.com/office/drawing/2014/main" id="{AEC6DDCC-A73F-F4A7-7F8E-D78D445171F1}"/>
+                <a16:creationId xmlns:a16="http://schemas.microsoft.com/office/drawing/2014/main" id="{0FAB176C-9209-092F-6E9A-778C24BBF282}"/>
               </a:ext>
             </a:extLst>
           </p:cNvPr>
@@ -990,7 +990,7 @@
           <p:cNvPr id="3" name="文本占位符 2">
             <a:extLst>
               <a:ext uri="{FF2B5EF4-FFF2-40B4-BE49-F238E27FC236}">
-                <a16:creationId xmlns:a16="http://schemas.microsoft.com/office/drawing/2014/main" id="{C8174C0A-C40A-4663-FF6E-C3AB877D0131}"/>
+                <a16:creationId xmlns:a16="http://schemas.microsoft.com/office/drawing/2014/main" id="{F9774000-8D02-9F2D-4660-C168FD7BC08C}"/>
               </a:ext>
             </a:extLst>
           </p:cNvPr>
@@ -1115,7 +1115,7 @@
           <p:cNvPr id="4" name="日期占位符 3">
             <a:extLst>
               <a:ext uri="{FF2B5EF4-FFF2-40B4-BE49-F238E27FC236}">
-                <a16:creationId xmlns:a16="http://schemas.microsoft.com/office/drawing/2014/main" id="{8584675A-3CA0-5CF0-5A10-14465A6E6335}"/>
+                <a16:creationId xmlns:a16="http://schemas.microsoft.com/office/drawing/2014/main" id="{B3BA4FEA-F3CF-A20A-131B-8701ADB1E54E}"/>
               </a:ext>
             </a:extLst>
           </p:cNvPr>
@@ -1131,7 +1131,7 @@
           <a:bodyPr/>
           <a:lstStyle/>
           <a:p>
-            <a:fld id="{9F5F6057-55B2-43A6-B8A6-A8706604D429}" type="datetimeFigureOut">
+            <a:fld id="{EDB6CB01-5D69-41E4-933F-1F4FDBBED775}" type="datetimeFigureOut">
               <a:rPr lang="zh-CN" altLang="en-US" smtClean="0"/>
               <a:t>2024/3/10</a:t>
             </a:fld>
@@ -1144,7 +1144,7 @@
           <p:cNvPr id="5" name="页脚占位符 4">
             <a:extLst>
               <a:ext uri="{FF2B5EF4-FFF2-40B4-BE49-F238E27FC236}">
-                <a16:creationId xmlns:a16="http://schemas.microsoft.com/office/drawing/2014/main" id="{C4A2EFB4-D5B3-2E51-921D-76FBE15BF160}"/>
+                <a16:creationId xmlns:a16="http://schemas.microsoft.com/office/drawing/2014/main" id="{B13DC040-2712-A99D-D687-605BDAA73B3C}"/>
               </a:ext>
             </a:extLst>
           </p:cNvPr>
@@ -1169,7 +1169,7 @@
           <p:cNvPr id="6" name="灯片编号占位符 5">
             <a:extLst>
               <a:ext uri="{FF2B5EF4-FFF2-40B4-BE49-F238E27FC236}">
-                <a16:creationId xmlns:a16="http://schemas.microsoft.com/office/drawing/2014/main" id="{A6113BFF-7D79-4965-C2B7-25B2C32089E2}"/>
+                <a16:creationId xmlns:a16="http://schemas.microsoft.com/office/drawing/2014/main" id="{B2EDAA29-11A4-D7F7-A306-B244467ED228}"/>
               </a:ext>
             </a:extLst>
           </p:cNvPr>
@@ -1185,7 +1185,7 @@
           <a:bodyPr/>
           <a:lstStyle/>
           <a:p>
-            <a:fld id="{318D49C4-ACF0-41FD-97C6-6565551F9D12}" type="slidenum">
+            <a:fld id="{1942D1A8-AA6F-4516-8412-CD74DFEBC843}" type="slidenum">
               <a:rPr lang="zh-CN" altLang="en-US" smtClean="0"/>
               <a:t>‹#›</a:t>
             </a:fld>
@@ -1196,7 +1196,7 @@
     </p:spTree>
     <p:extLst>
       <p:ext uri="{BB962C8B-B14F-4D97-AF65-F5344CB8AC3E}">
-        <p14:creationId xmlns:p14="http://schemas.microsoft.com/office/powerpoint/2010/main" val="3508955193"/>
+        <p14:creationId xmlns:p14="http://schemas.microsoft.com/office/powerpoint/2010/main" val="3427848216"/>
       </p:ext>
     </p:extLst>
   </p:cSld>
@@ -1228,7 +1228,7 @@
           <p:cNvPr id="2" name="标题 1">
             <a:extLst>
               <a:ext uri="{FF2B5EF4-FFF2-40B4-BE49-F238E27FC236}">
-                <a16:creationId xmlns:a16="http://schemas.microsoft.com/office/drawing/2014/main" id="{A7E74DC5-7C7B-C894-A5A9-FDAB0A759E14}"/>
+                <a16:creationId xmlns:a16="http://schemas.microsoft.com/office/drawing/2014/main" id="{6EBDB03F-16C1-F365-DBE3-39E1994066D4}"/>
               </a:ext>
             </a:extLst>
           </p:cNvPr>
@@ -1256,7 +1256,7 @@
           <p:cNvPr id="3" name="内容占位符 2">
             <a:extLst>
               <a:ext uri="{FF2B5EF4-FFF2-40B4-BE49-F238E27FC236}">
-                <a16:creationId xmlns:a16="http://schemas.microsoft.com/office/drawing/2014/main" id="{C383B00E-5BAB-E6C7-56C8-F79AC245AFAD}"/>
+                <a16:creationId xmlns:a16="http://schemas.microsoft.com/office/drawing/2014/main" id="{E7EE620C-D6CD-7728-9A9F-AD9C6CBE2693}"/>
               </a:ext>
             </a:extLst>
           </p:cNvPr>
@@ -1318,7 +1318,7 @@
           <p:cNvPr id="4" name="内容占位符 3">
             <a:extLst>
               <a:ext uri="{FF2B5EF4-FFF2-40B4-BE49-F238E27FC236}">
-                <a16:creationId xmlns:a16="http://schemas.microsoft.com/office/drawing/2014/main" id="{DD204E1C-EAFD-21BD-B45E-CE014057FED4}"/>
+                <a16:creationId xmlns:a16="http://schemas.microsoft.com/office/drawing/2014/main" id="{58AD591A-73AD-5F35-E9A3-9B1317EC5F12}"/>
               </a:ext>
             </a:extLst>
           </p:cNvPr>
@@ -1380,7 +1380,7 @@
           <p:cNvPr id="5" name="日期占位符 4">
             <a:extLst>
               <a:ext uri="{FF2B5EF4-FFF2-40B4-BE49-F238E27FC236}">
-                <a16:creationId xmlns:a16="http://schemas.microsoft.com/office/drawing/2014/main" id="{AF24E1EB-3CB7-0FBC-C1B5-F347C17C9369}"/>
+                <a16:creationId xmlns:a16="http://schemas.microsoft.com/office/drawing/2014/main" id="{F6E6F004-CA8E-EE0C-B8C2-9EA29FA77D52}"/>
               </a:ext>
             </a:extLst>
           </p:cNvPr>
@@ -1396,7 +1396,7 @@
           <a:bodyPr/>
           <a:lstStyle/>
           <a:p>
-            <a:fld id="{9F5F6057-55B2-43A6-B8A6-A8706604D429}" type="datetimeFigureOut">
+            <a:fld id="{EDB6CB01-5D69-41E4-933F-1F4FDBBED775}" type="datetimeFigureOut">
               <a:rPr lang="zh-CN" altLang="en-US" smtClean="0"/>
               <a:t>2024/3/10</a:t>
             </a:fld>
@@ -1409,7 +1409,7 @@
           <p:cNvPr id="6" name="页脚占位符 5">
             <a:extLst>
               <a:ext uri="{FF2B5EF4-FFF2-40B4-BE49-F238E27FC236}">
-                <a16:creationId xmlns:a16="http://schemas.microsoft.com/office/drawing/2014/main" id="{DC9138D8-5C2B-2121-921C-12B542B3DE9B}"/>
+                <a16:creationId xmlns:a16="http://schemas.microsoft.com/office/drawing/2014/main" id="{B27ACBD3-F0F9-AC71-636D-4F1BC58EC278}"/>
               </a:ext>
             </a:extLst>
           </p:cNvPr>
@@ -1434,7 +1434,7 @@
           <p:cNvPr id="7" name="灯片编号占位符 6">
             <a:extLst>
               <a:ext uri="{FF2B5EF4-FFF2-40B4-BE49-F238E27FC236}">
-                <a16:creationId xmlns:a16="http://schemas.microsoft.com/office/drawing/2014/main" id="{C24E5335-262B-195E-2FB7-7A938D66AAF4}"/>
+                <a16:creationId xmlns:a16="http://schemas.microsoft.com/office/drawing/2014/main" id="{2862F517-46BC-0117-D8F8-A1CB6D172D38}"/>
               </a:ext>
             </a:extLst>
           </p:cNvPr>
@@ -1450,7 +1450,7 @@
           <a:bodyPr/>
           <a:lstStyle/>
           <a:p>
-            <a:fld id="{318D49C4-ACF0-41FD-97C6-6565551F9D12}" type="slidenum">
+            <a:fld id="{1942D1A8-AA6F-4516-8412-CD74DFEBC843}" type="slidenum">
               <a:rPr lang="zh-CN" altLang="en-US" smtClean="0"/>
               <a:t>‹#›</a:t>
             </a:fld>
@@ -1461,7 +1461,7 @@
     </p:spTree>
     <p:extLst>
       <p:ext uri="{BB962C8B-B14F-4D97-AF65-F5344CB8AC3E}">
-        <p14:creationId xmlns:p14="http://schemas.microsoft.com/office/powerpoint/2010/main" val="3745524377"/>
+        <p14:creationId xmlns:p14="http://schemas.microsoft.com/office/powerpoint/2010/main" val="2455220438"/>
       </p:ext>
     </p:extLst>
   </p:cSld>
@@ -1493,7 +1493,7 @@
           <p:cNvPr id="2" name="标题 1">
             <a:extLst>
               <a:ext uri="{FF2B5EF4-FFF2-40B4-BE49-F238E27FC236}">
-                <a16:creationId xmlns:a16="http://schemas.microsoft.com/office/drawing/2014/main" id="{14D62ECA-EAE7-7AF1-823C-899D50C85124}"/>
+                <a16:creationId xmlns:a16="http://schemas.microsoft.com/office/drawing/2014/main" id="{BB880ACB-9560-39DB-3B9F-1CD43B52A69C}"/>
               </a:ext>
             </a:extLst>
           </p:cNvPr>
@@ -1526,7 +1526,7 @@
           <p:cNvPr id="3" name="文本占位符 2">
             <a:extLst>
               <a:ext uri="{FF2B5EF4-FFF2-40B4-BE49-F238E27FC236}">
-                <a16:creationId xmlns:a16="http://schemas.microsoft.com/office/drawing/2014/main" id="{1260DA4F-7F83-BEFD-76C0-E7C59A17E33A}"/>
+                <a16:creationId xmlns:a16="http://schemas.microsoft.com/office/drawing/2014/main" id="{211A5E33-1D8B-AE36-3B84-F974A9B1AE55}"/>
               </a:ext>
             </a:extLst>
           </p:cNvPr>
@@ -1597,7 +1597,7 @@
           <p:cNvPr id="4" name="内容占位符 3">
             <a:extLst>
               <a:ext uri="{FF2B5EF4-FFF2-40B4-BE49-F238E27FC236}">
-                <a16:creationId xmlns:a16="http://schemas.microsoft.com/office/drawing/2014/main" id="{1A391458-2A13-D77A-37D9-6D01D53DFC58}"/>
+                <a16:creationId xmlns:a16="http://schemas.microsoft.com/office/drawing/2014/main" id="{3E02225D-31C2-CD5A-B3E9-C13DC9BFB31A}"/>
               </a:ext>
             </a:extLst>
           </p:cNvPr>
@@ -1659,7 +1659,7 @@
           <p:cNvPr id="5" name="文本占位符 4">
             <a:extLst>
               <a:ext uri="{FF2B5EF4-FFF2-40B4-BE49-F238E27FC236}">
-                <a16:creationId xmlns:a16="http://schemas.microsoft.com/office/drawing/2014/main" id="{4159C0CF-22EF-0541-9F0C-2211654FCEBD}"/>
+                <a16:creationId xmlns:a16="http://schemas.microsoft.com/office/drawing/2014/main" id="{4E9E552C-0BFC-3C58-52CE-3467C8EB8353}"/>
               </a:ext>
             </a:extLst>
           </p:cNvPr>
@@ -1730,7 +1730,7 @@
           <p:cNvPr id="6" name="内容占位符 5">
             <a:extLst>
               <a:ext uri="{FF2B5EF4-FFF2-40B4-BE49-F238E27FC236}">
-                <a16:creationId xmlns:a16="http://schemas.microsoft.com/office/drawing/2014/main" id="{A42FB3A4-B9A5-FC4D-3909-1498ECDFCBE1}"/>
+                <a16:creationId xmlns:a16="http://schemas.microsoft.com/office/drawing/2014/main" id="{E10254ED-0DE7-AAB9-FFA5-C66800B623EB}"/>
               </a:ext>
             </a:extLst>
           </p:cNvPr>
@@ -1792,7 +1792,7 @@
           <p:cNvPr id="7" name="日期占位符 6">
             <a:extLst>
               <a:ext uri="{FF2B5EF4-FFF2-40B4-BE49-F238E27FC236}">
-                <a16:creationId xmlns:a16="http://schemas.microsoft.com/office/drawing/2014/main" id="{0212672F-719D-5D63-350C-8ED3EC828930}"/>
+                <a16:creationId xmlns:a16="http://schemas.microsoft.com/office/drawing/2014/main" id="{71DF930A-AB78-CE33-890C-CE494E912687}"/>
               </a:ext>
             </a:extLst>
           </p:cNvPr>
@@ -1808,7 +1808,7 @@
           <a:bodyPr/>
           <a:lstStyle/>
           <a:p>
-            <a:fld id="{9F5F6057-55B2-43A6-B8A6-A8706604D429}" type="datetimeFigureOut">
+            <a:fld id="{EDB6CB01-5D69-41E4-933F-1F4FDBBED775}" type="datetimeFigureOut">
               <a:rPr lang="zh-CN" altLang="en-US" smtClean="0"/>
               <a:t>2024/3/10</a:t>
             </a:fld>
@@ -1821,7 +1821,7 @@
           <p:cNvPr id="8" name="页脚占位符 7">
             <a:extLst>
               <a:ext uri="{FF2B5EF4-FFF2-40B4-BE49-F238E27FC236}">
-                <a16:creationId xmlns:a16="http://schemas.microsoft.com/office/drawing/2014/main" id="{78F0887F-4FD3-57C8-8ECA-F7939F0E5FAD}"/>
+                <a16:creationId xmlns:a16="http://schemas.microsoft.com/office/drawing/2014/main" id="{27084C21-C9CC-AB2C-BD5B-6AB28977C901}"/>
               </a:ext>
             </a:extLst>
           </p:cNvPr>
@@ -1846,7 +1846,7 @@
           <p:cNvPr id="9" name="灯片编号占位符 8">
             <a:extLst>
               <a:ext uri="{FF2B5EF4-FFF2-40B4-BE49-F238E27FC236}">
-                <a16:creationId xmlns:a16="http://schemas.microsoft.com/office/drawing/2014/main" id="{DB2EA547-34CB-2E11-B46A-130B30E0D36D}"/>
+                <a16:creationId xmlns:a16="http://schemas.microsoft.com/office/drawing/2014/main" id="{62078E5B-6775-CD6B-10BE-4FFF6D3DC81F}"/>
               </a:ext>
             </a:extLst>
           </p:cNvPr>
@@ -1862,7 +1862,7 @@
           <a:bodyPr/>
           <a:lstStyle/>
           <a:p>
-            <a:fld id="{318D49C4-ACF0-41FD-97C6-6565551F9D12}" type="slidenum">
+            <a:fld id="{1942D1A8-AA6F-4516-8412-CD74DFEBC843}" type="slidenum">
               <a:rPr lang="zh-CN" altLang="en-US" smtClean="0"/>
               <a:t>‹#›</a:t>
             </a:fld>
@@ -1873,7 +1873,7 @@
     </p:spTree>
     <p:extLst>
       <p:ext uri="{BB962C8B-B14F-4D97-AF65-F5344CB8AC3E}">
-        <p14:creationId xmlns:p14="http://schemas.microsoft.com/office/powerpoint/2010/main" val="3856619280"/>
+        <p14:creationId xmlns:p14="http://schemas.microsoft.com/office/powerpoint/2010/main" val="1669448543"/>
       </p:ext>
     </p:extLst>
   </p:cSld>
@@ -1905,7 +1905,7 @@
           <p:cNvPr id="2" name="标题 1">
             <a:extLst>
               <a:ext uri="{FF2B5EF4-FFF2-40B4-BE49-F238E27FC236}">
-                <a16:creationId xmlns:a16="http://schemas.microsoft.com/office/drawing/2014/main" id="{5D0D42EF-F760-362B-6B4B-B6AFBA226AC7}"/>
+                <a16:creationId xmlns:a16="http://schemas.microsoft.com/office/drawing/2014/main" id="{86A5C81E-4D64-86F5-F12B-BCF71D1FC948}"/>
               </a:ext>
             </a:extLst>
           </p:cNvPr>
@@ -1933,7 +1933,7 @@
           <p:cNvPr id="3" name="日期占位符 2">
             <a:extLst>
               <a:ext uri="{FF2B5EF4-FFF2-40B4-BE49-F238E27FC236}">
-                <a16:creationId xmlns:a16="http://schemas.microsoft.com/office/drawing/2014/main" id="{6B86353B-7B48-10E6-A918-D5A107C63B19}"/>
+                <a16:creationId xmlns:a16="http://schemas.microsoft.com/office/drawing/2014/main" id="{B1AF5CA4-78DF-A01F-9C6A-85679E72C22A}"/>
               </a:ext>
             </a:extLst>
           </p:cNvPr>
@@ -1949,7 +1949,7 @@
           <a:bodyPr/>
           <a:lstStyle/>
           <a:p>
-            <a:fld id="{9F5F6057-55B2-43A6-B8A6-A8706604D429}" type="datetimeFigureOut">
+            <a:fld id="{EDB6CB01-5D69-41E4-933F-1F4FDBBED775}" type="datetimeFigureOut">
               <a:rPr lang="zh-CN" altLang="en-US" smtClean="0"/>
               <a:t>2024/3/10</a:t>
             </a:fld>
@@ -1962,7 +1962,7 @@
           <p:cNvPr id="4" name="页脚占位符 3">
             <a:extLst>
               <a:ext uri="{FF2B5EF4-FFF2-40B4-BE49-F238E27FC236}">
-                <a16:creationId xmlns:a16="http://schemas.microsoft.com/office/drawing/2014/main" id="{EE6EBC5B-CF14-9643-F9B3-8357699CEA0B}"/>
+                <a16:creationId xmlns:a16="http://schemas.microsoft.com/office/drawing/2014/main" id="{1971496D-7880-12B9-2434-39283DB26446}"/>
               </a:ext>
             </a:extLst>
           </p:cNvPr>
@@ -1987,7 +1987,7 @@
           <p:cNvPr id="5" name="灯片编号占位符 4">
             <a:extLst>
               <a:ext uri="{FF2B5EF4-FFF2-40B4-BE49-F238E27FC236}">
-                <a16:creationId xmlns:a16="http://schemas.microsoft.com/office/drawing/2014/main" id="{CA64923F-5985-0979-2B86-7D031A60A20B}"/>
+                <a16:creationId xmlns:a16="http://schemas.microsoft.com/office/drawing/2014/main" id="{9AE7A555-F2AF-94B0-1EC2-B93D758B5FEF}"/>
               </a:ext>
             </a:extLst>
           </p:cNvPr>
@@ -2003,7 +2003,7 @@
           <a:bodyPr/>
           <a:lstStyle/>
           <a:p>
-            <a:fld id="{318D49C4-ACF0-41FD-97C6-6565551F9D12}" type="slidenum">
+            <a:fld id="{1942D1A8-AA6F-4516-8412-CD74DFEBC843}" type="slidenum">
               <a:rPr lang="zh-CN" altLang="en-US" smtClean="0"/>
               <a:t>‹#›</a:t>
             </a:fld>
@@ -2014,7 +2014,7 @@
     </p:spTree>
     <p:extLst>
       <p:ext uri="{BB962C8B-B14F-4D97-AF65-F5344CB8AC3E}">
-        <p14:creationId xmlns:p14="http://schemas.microsoft.com/office/powerpoint/2010/main" val="510340015"/>
+        <p14:creationId xmlns:p14="http://schemas.microsoft.com/office/powerpoint/2010/main" val="2685679824"/>
       </p:ext>
     </p:extLst>
   </p:cSld>
@@ -2046,7 +2046,7 @@
           <p:cNvPr id="2" name="日期占位符 1">
             <a:extLst>
               <a:ext uri="{FF2B5EF4-FFF2-40B4-BE49-F238E27FC236}">
-                <a16:creationId xmlns:a16="http://schemas.microsoft.com/office/drawing/2014/main" id="{00EA4A50-6D5F-C80F-B932-EE6CFBEF1875}"/>
+                <a16:creationId xmlns:a16="http://schemas.microsoft.com/office/drawing/2014/main" id="{738F0758-4FFD-6672-057E-90AF92C3766F}"/>
               </a:ext>
             </a:extLst>
           </p:cNvPr>
@@ -2062,7 +2062,7 @@
           <a:bodyPr/>
           <a:lstStyle/>
           <a:p>
-            <a:fld id="{9F5F6057-55B2-43A6-B8A6-A8706604D429}" type="datetimeFigureOut">
+            <a:fld id="{EDB6CB01-5D69-41E4-933F-1F4FDBBED775}" type="datetimeFigureOut">
               <a:rPr lang="zh-CN" altLang="en-US" smtClean="0"/>
               <a:t>2024/3/10</a:t>
             </a:fld>
@@ -2075,7 +2075,7 @@
           <p:cNvPr id="3" name="页脚占位符 2">
             <a:extLst>
               <a:ext uri="{FF2B5EF4-FFF2-40B4-BE49-F238E27FC236}">
-                <a16:creationId xmlns:a16="http://schemas.microsoft.com/office/drawing/2014/main" id="{7C7B985D-D4AB-531B-2AF1-87B80D6ECA34}"/>
+                <a16:creationId xmlns:a16="http://schemas.microsoft.com/office/drawing/2014/main" id="{54034071-A474-46FB-CF0B-DFB26BF4078E}"/>
               </a:ext>
             </a:extLst>
           </p:cNvPr>
@@ -2100,7 +2100,7 @@
           <p:cNvPr id="4" name="灯片编号占位符 3">
             <a:extLst>
               <a:ext uri="{FF2B5EF4-FFF2-40B4-BE49-F238E27FC236}">
-                <a16:creationId xmlns:a16="http://schemas.microsoft.com/office/drawing/2014/main" id="{A735F837-523B-358E-1780-78B937A65866}"/>
+                <a16:creationId xmlns:a16="http://schemas.microsoft.com/office/drawing/2014/main" id="{CC920894-C4ED-28D3-1DE9-17C9A58B23A7}"/>
               </a:ext>
             </a:extLst>
           </p:cNvPr>
@@ -2116,7 +2116,7 @@
           <a:bodyPr/>
           <a:lstStyle/>
           <a:p>
-            <a:fld id="{318D49C4-ACF0-41FD-97C6-6565551F9D12}" type="slidenum">
+            <a:fld id="{1942D1A8-AA6F-4516-8412-CD74DFEBC843}" type="slidenum">
               <a:rPr lang="zh-CN" altLang="en-US" smtClean="0"/>
               <a:t>‹#›</a:t>
             </a:fld>
@@ -2127,7 +2127,7 @@
     </p:spTree>
     <p:extLst>
       <p:ext uri="{BB962C8B-B14F-4D97-AF65-F5344CB8AC3E}">
-        <p14:creationId xmlns:p14="http://schemas.microsoft.com/office/powerpoint/2010/main" val="1556540741"/>
+        <p14:creationId xmlns:p14="http://schemas.microsoft.com/office/powerpoint/2010/main" val="1098454979"/>
       </p:ext>
     </p:extLst>
   </p:cSld>
@@ -2159,7 +2159,7 @@
           <p:cNvPr id="2" name="标题 1">
             <a:extLst>
               <a:ext uri="{FF2B5EF4-FFF2-40B4-BE49-F238E27FC236}">
-                <a16:creationId xmlns:a16="http://schemas.microsoft.com/office/drawing/2014/main" id="{AF1C63BA-CA2B-9334-6474-2A8C7AC5D986}"/>
+                <a16:creationId xmlns:a16="http://schemas.microsoft.com/office/drawing/2014/main" id="{4B8AE493-E8AB-AC12-F847-E1D8F0DE4ABA}"/>
               </a:ext>
             </a:extLst>
           </p:cNvPr>
@@ -2196,7 +2196,7 @@
           <p:cNvPr id="3" name="内容占位符 2">
             <a:extLst>
               <a:ext uri="{FF2B5EF4-FFF2-40B4-BE49-F238E27FC236}">
-                <a16:creationId xmlns:a16="http://schemas.microsoft.com/office/drawing/2014/main" id="{E87BDF0C-4D19-A10E-4F89-281FAD78729E}"/>
+                <a16:creationId xmlns:a16="http://schemas.microsoft.com/office/drawing/2014/main" id="{438E5EC0-D324-B776-E94F-49C8E2445412}"/>
               </a:ext>
             </a:extLst>
           </p:cNvPr>
@@ -2286,7 +2286,7 @@
           <p:cNvPr id="4" name="文本占位符 3">
             <a:extLst>
               <a:ext uri="{FF2B5EF4-FFF2-40B4-BE49-F238E27FC236}">
-                <a16:creationId xmlns:a16="http://schemas.microsoft.com/office/drawing/2014/main" id="{B9FED378-7556-E902-E1A6-D184EB46A9D0}"/>
+                <a16:creationId xmlns:a16="http://schemas.microsoft.com/office/drawing/2014/main" id="{A2B3EA06-4039-99D9-1D2A-440C39220209}"/>
               </a:ext>
             </a:extLst>
           </p:cNvPr>
@@ -2357,7 +2357,7 @@
           <p:cNvPr id="5" name="日期占位符 4">
             <a:extLst>
               <a:ext uri="{FF2B5EF4-FFF2-40B4-BE49-F238E27FC236}">
-                <a16:creationId xmlns:a16="http://schemas.microsoft.com/office/drawing/2014/main" id="{C17DDDA2-48DD-C435-BC5E-D71AB7BFAF44}"/>
+                <a16:creationId xmlns:a16="http://schemas.microsoft.com/office/drawing/2014/main" id="{A84ECCEF-A74E-0B08-9160-EA9697608725}"/>
               </a:ext>
             </a:extLst>
           </p:cNvPr>
@@ -2373,7 +2373,7 @@
           <a:bodyPr/>
           <a:lstStyle/>
           <a:p>
-            <a:fld id="{9F5F6057-55B2-43A6-B8A6-A8706604D429}" type="datetimeFigureOut">
+            <a:fld id="{EDB6CB01-5D69-41E4-933F-1F4FDBBED775}" type="datetimeFigureOut">
               <a:rPr lang="zh-CN" altLang="en-US" smtClean="0"/>
               <a:t>2024/3/10</a:t>
             </a:fld>
@@ -2386,7 +2386,7 @@
           <p:cNvPr id="6" name="页脚占位符 5">
             <a:extLst>
               <a:ext uri="{FF2B5EF4-FFF2-40B4-BE49-F238E27FC236}">
-                <a16:creationId xmlns:a16="http://schemas.microsoft.com/office/drawing/2014/main" id="{7EA354B1-ED6F-2C67-C9D2-6495059ACFCE}"/>
+                <a16:creationId xmlns:a16="http://schemas.microsoft.com/office/drawing/2014/main" id="{9FAACA3B-D8DC-19D5-9A1E-8842680B0C07}"/>
               </a:ext>
             </a:extLst>
           </p:cNvPr>
@@ -2411,7 +2411,7 @@
           <p:cNvPr id="7" name="灯片编号占位符 6">
             <a:extLst>
               <a:ext uri="{FF2B5EF4-FFF2-40B4-BE49-F238E27FC236}">
-                <a16:creationId xmlns:a16="http://schemas.microsoft.com/office/drawing/2014/main" id="{F88DE51E-8210-272F-6904-79F07C976B9B}"/>
+                <a16:creationId xmlns:a16="http://schemas.microsoft.com/office/drawing/2014/main" id="{20EE9C22-827D-4F2A-F51B-8BCFB5EA2E27}"/>
               </a:ext>
             </a:extLst>
           </p:cNvPr>
@@ -2427,7 +2427,7 @@
           <a:bodyPr/>
           <a:lstStyle/>
           <a:p>
-            <a:fld id="{318D49C4-ACF0-41FD-97C6-6565551F9D12}" type="slidenum">
+            <a:fld id="{1942D1A8-AA6F-4516-8412-CD74DFEBC843}" type="slidenum">
               <a:rPr lang="zh-CN" altLang="en-US" smtClean="0"/>
               <a:t>‹#›</a:t>
             </a:fld>
@@ -2438,7 +2438,7 @@
     </p:spTree>
     <p:extLst>
       <p:ext uri="{BB962C8B-B14F-4D97-AF65-F5344CB8AC3E}">
-        <p14:creationId xmlns:p14="http://schemas.microsoft.com/office/powerpoint/2010/main" val="477680790"/>
+        <p14:creationId xmlns:p14="http://schemas.microsoft.com/office/powerpoint/2010/main" val="3014348252"/>
       </p:ext>
     </p:extLst>
   </p:cSld>
@@ -2470,7 +2470,7 @@
           <p:cNvPr id="2" name="标题 1">
             <a:extLst>
               <a:ext uri="{FF2B5EF4-FFF2-40B4-BE49-F238E27FC236}">
-                <a16:creationId xmlns:a16="http://schemas.microsoft.com/office/drawing/2014/main" id="{9C390D5E-316B-348E-9911-79498A9EB84E}"/>
+                <a16:creationId xmlns:a16="http://schemas.microsoft.com/office/drawing/2014/main" id="{388AC1C6-1628-AEBE-967B-47E931396FD9}"/>
               </a:ext>
             </a:extLst>
           </p:cNvPr>
@@ -2507,7 +2507,7 @@
           <p:cNvPr id="3" name="图片占位符 2">
             <a:extLst>
               <a:ext uri="{FF2B5EF4-FFF2-40B4-BE49-F238E27FC236}">
-                <a16:creationId xmlns:a16="http://schemas.microsoft.com/office/drawing/2014/main" id="{B7A0ACF2-78E7-A7E1-42FD-DDE2683DA167}"/>
+                <a16:creationId xmlns:a16="http://schemas.microsoft.com/office/drawing/2014/main" id="{A914595E-5CB4-A4E9-6F89-3F23E25736FC}"/>
               </a:ext>
             </a:extLst>
           </p:cNvPr>
@@ -2574,7 +2574,7 @@
           <p:cNvPr id="4" name="文本占位符 3">
             <a:extLst>
               <a:ext uri="{FF2B5EF4-FFF2-40B4-BE49-F238E27FC236}">
-                <a16:creationId xmlns:a16="http://schemas.microsoft.com/office/drawing/2014/main" id="{E9F41120-B425-EC8E-CDC1-B6AC6E0472D7}"/>
+                <a16:creationId xmlns:a16="http://schemas.microsoft.com/office/drawing/2014/main" id="{D1FF42E0-8214-5926-FFCF-07808EEA5319}"/>
               </a:ext>
             </a:extLst>
           </p:cNvPr>
@@ -2645,7 +2645,7 @@
           <p:cNvPr id="5" name="日期占位符 4">
             <a:extLst>
               <a:ext uri="{FF2B5EF4-FFF2-40B4-BE49-F238E27FC236}">
-                <a16:creationId xmlns:a16="http://schemas.microsoft.com/office/drawing/2014/main" id="{2CAE5DBE-BBB5-6771-C779-8ED10EFE6A65}"/>
+                <a16:creationId xmlns:a16="http://schemas.microsoft.com/office/drawing/2014/main" id="{0DDFBD6F-015A-1A26-ED76-E84110642933}"/>
               </a:ext>
             </a:extLst>
           </p:cNvPr>
@@ -2661,7 +2661,7 @@
           <a:bodyPr/>
           <a:lstStyle/>
           <a:p>
-            <a:fld id="{9F5F6057-55B2-43A6-B8A6-A8706604D429}" type="datetimeFigureOut">
+            <a:fld id="{EDB6CB01-5D69-41E4-933F-1F4FDBBED775}" type="datetimeFigureOut">
               <a:rPr lang="zh-CN" altLang="en-US" smtClean="0"/>
               <a:t>2024/3/10</a:t>
             </a:fld>
@@ -2674,7 +2674,7 @@
           <p:cNvPr id="6" name="页脚占位符 5">
             <a:extLst>
               <a:ext uri="{FF2B5EF4-FFF2-40B4-BE49-F238E27FC236}">
-                <a16:creationId xmlns:a16="http://schemas.microsoft.com/office/drawing/2014/main" id="{8E30DEAA-2D91-5D88-2A4D-BAFB31798759}"/>
+                <a16:creationId xmlns:a16="http://schemas.microsoft.com/office/drawing/2014/main" id="{C0A1586D-412A-B28D-C2B1-95DB628AA987}"/>
               </a:ext>
             </a:extLst>
           </p:cNvPr>
@@ -2699,7 +2699,7 @@
           <p:cNvPr id="7" name="灯片编号占位符 6">
             <a:extLst>
               <a:ext uri="{FF2B5EF4-FFF2-40B4-BE49-F238E27FC236}">
-                <a16:creationId xmlns:a16="http://schemas.microsoft.com/office/drawing/2014/main" id="{6F8CE742-5277-0B2D-9B02-EB2564A0BA15}"/>
+                <a16:creationId xmlns:a16="http://schemas.microsoft.com/office/drawing/2014/main" id="{92B93D8C-00B1-E8C2-30DE-5E99D8B6ED19}"/>
               </a:ext>
             </a:extLst>
           </p:cNvPr>
@@ -2715,7 +2715,7 @@
           <a:bodyPr/>
           <a:lstStyle/>
           <a:p>
-            <a:fld id="{318D49C4-ACF0-41FD-97C6-6565551F9D12}" type="slidenum">
+            <a:fld id="{1942D1A8-AA6F-4516-8412-CD74DFEBC843}" type="slidenum">
               <a:rPr lang="zh-CN" altLang="en-US" smtClean="0"/>
               <a:t>‹#›</a:t>
             </a:fld>
@@ -2726,7 +2726,7 @@
     </p:spTree>
     <p:extLst>
       <p:ext uri="{BB962C8B-B14F-4D97-AF65-F5344CB8AC3E}">
-        <p14:creationId xmlns:p14="http://schemas.microsoft.com/office/powerpoint/2010/main" val="1628721965"/>
+        <p14:creationId xmlns:p14="http://schemas.microsoft.com/office/powerpoint/2010/main" val="2548646847"/>
       </p:ext>
     </p:extLst>
   </p:cSld>
@@ -2763,7 +2763,7 @@
           <p:cNvPr id="2" name="标题占位符 1">
             <a:extLst>
               <a:ext uri="{FF2B5EF4-FFF2-40B4-BE49-F238E27FC236}">
-                <a16:creationId xmlns:a16="http://schemas.microsoft.com/office/drawing/2014/main" id="{E2EF5DCA-198D-116D-6656-74898641B05E}"/>
+                <a16:creationId xmlns:a16="http://schemas.microsoft.com/office/drawing/2014/main" id="{F1EF4466-A27D-E4DB-C33B-08BD05377A0E}"/>
               </a:ext>
             </a:extLst>
           </p:cNvPr>
@@ -2801,7 +2801,7 @@
           <p:cNvPr id="3" name="文本占位符 2">
             <a:extLst>
               <a:ext uri="{FF2B5EF4-FFF2-40B4-BE49-F238E27FC236}">
-                <a16:creationId xmlns:a16="http://schemas.microsoft.com/office/drawing/2014/main" id="{5E94B003-9545-0B6B-E761-B0A5F57592CD}"/>
+                <a16:creationId xmlns:a16="http://schemas.microsoft.com/office/drawing/2014/main" id="{D384A05A-173B-E9CE-EBE4-50E4F6DF209E}"/>
               </a:ext>
             </a:extLst>
           </p:cNvPr>
@@ -2868,7 +2868,7 @@
           <p:cNvPr id="4" name="日期占位符 3">
             <a:extLst>
               <a:ext uri="{FF2B5EF4-FFF2-40B4-BE49-F238E27FC236}">
-                <a16:creationId xmlns:a16="http://schemas.microsoft.com/office/drawing/2014/main" id="{0CCC5163-E733-08B6-FFA6-9A3AEB2A66FB}"/>
+                <a16:creationId xmlns:a16="http://schemas.microsoft.com/office/drawing/2014/main" id="{D92FBB50-F52E-6500-6F35-0FBEF9CF2D46}"/>
               </a:ext>
             </a:extLst>
           </p:cNvPr>
@@ -2902,7 +2902,7 @@
             </a:lvl1pPr>
           </a:lstStyle>
           <a:p>
-            <a:fld id="{9F5F6057-55B2-43A6-B8A6-A8706604D429}" type="datetimeFigureOut">
+            <a:fld id="{EDB6CB01-5D69-41E4-933F-1F4FDBBED775}" type="datetimeFigureOut">
               <a:rPr lang="zh-CN" altLang="en-US" smtClean="0"/>
               <a:t>2024/3/10</a:t>
             </a:fld>
@@ -2915,7 +2915,7 @@
           <p:cNvPr id="5" name="页脚占位符 4">
             <a:extLst>
               <a:ext uri="{FF2B5EF4-FFF2-40B4-BE49-F238E27FC236}">
-                <a16:creationId xmlns:a16="http://schemas.microsoft.com/office/drawing/2014/main" id="{6AAF3372-6612-1836-921B-910DBBAFC078}"/>
+                <a16:creationId xmlns:a16="http://schemas.microsoft.com/office/drawing/2014/main" id="{4BB0AB61-1859-4506-64A0-62CF3E84BDC9}"/>
               </a:ext>
             </a:extLst>
           </p:cNvPr>
@@ -2958,7 +2958,7 @@
           <p:cNvPr id="6" name="灯片编号占位符 5">
             <a:extLst>
               <a:ext uri="{FF2B5EF4-FFF2-40B4-BE49-F238E27FC236}">
-                <a16:creationId xmlns:a16="http://schemas.microsoft.com/office/drawing/2014/main" id="{D34A7B96-42F8-A5CD-46F9-295439779312}"/>
+                <a16:creationId xmlns:a16="http://schemas.microsoft.com/office/drawing/2014/main" id="{60A8DD46-BEF7-A107-3B69-A07F5E11BFAF}"/>
               </a:ext>
             </a:extLst>
           </p:cNvPr>
@@ -2992,7 +2992,7 @@
             </a:lvl1pPr>
           </a:lstStyle>
           <a:p>
-            <a:fld id="{318D49C4-ACF0-41FD-97C6-6565551F9D12}" type="slidenum">
+            <a:fld id="{1942D1A8-AA6F-4516-8412-CD74DFEBC843}" type="slidenum">
               <a:rPr lang="zh-CN" altLang="en-US" smtClean="0"/>
               <a:t>‹#›</a:t>
             </a:fld>
@@ -3003,7 +3003,7 @@
     </p:spTree>
     <p:extLst>
       <p:ext uri="{BB962C8B-B14F-4D97-AF65-F5344CB8AC3E}">
-        <p14:creationId xmlns:p14="http://schemas.microsoft.com/office/powerpoint/2010/main" val="2158737524"/>
+        <p14:creationId xmlns:p14="http://schemas.microsoft.com/office/powerpoint/2010/main" val="3327006617"/>
       </p:ext>
     </p:extLst>
   </p:cSld>
